--- a/charts.pptx
+++ b/charts.pptx
@@ -909,7 +909,7 @@
           <a:p>
             <a:fld id="{DF6E0F8B-B334-4775-BFD6-8962308CCEA5}" type="datetimeFigureOut">
               <a:rPr lang="en-US" smtClean="0"/>
-              <a:t>05-May-21</a:t>
+              <a:t>07-May-21</a:t>
             </a:fld>
             <a:endParaRPr lang="en-US"/>
           </a:p>
@@ -1160,7 +1160,7 @@
           <a:p>
             <a:fld id="{DF6E0F8B-B334-4775-BFD6-8962308CCEA5}" type="datetimeFigureOut">
               <a:rPr lang="en-US" smtClean="0"/>
-              <a:t>05-May-21</a:t>
+              <a:t>07-May-21</a:t>
             </a:fld>
             <a:endParaRPr lang="en-US"/>
           </a:p>
@@ -1474,7 +1474,7 @@
           <a:p>
             <a:fld id="{DF6E0F8B-B334-4775-BFD6-8962308CCEA5}" type="datetimeFigureOut">
               <a:rPr lang="en-US" smtClean="0"/>
-              <a:t>05-May-21</a:t>
+              <a:t>07-May-21</a:t>
             </a:fld>
             <a:endParaRPr lang="en-US"/>
           </a:p>
@@ -1807,7 +1807,7 @@
           <a:p>
             <a:fld id="{DF6E0F8B-B334-4775-BFD6-8962308CCEA5}" type="datetimeFigureOut">
               <a:rPr lang="en-US" smtClean="0"/>
-              <a:t>05-May-21</a:t>
+              <a:t>07-May-21</a:t>
             </a:fld>
             <a:endParaRPr lang="en-US"/>
           </a:p>
@@ -2121,7 +2121,7 @@
           <a:p>
             <a:fld id="{DF6E0F8B-B334-4775-BFD6-8962308CCEA5}" type="datetimeFigureOut">
               <a:rPr lang="en-US" smtClean="0"/>
-              <a:t>05-May-21</a:t>
+              <a:t>07-May-21</a:t>
             </a:fld>
             <a:endParaRPr lang="en-US"/>
           </a:p>
@@ -2514,7 +2514,7 @@
           <a:p>
             <a:fld id="{DF6E0F8B-B334-4775-BFD6-8962308CCEA5}" type="datetimeFigureOut">
               <a:rPr lang="en-US" smtClean="0"/>
-              <a:t>05-May-21</a:t>
+              <a:t>07-May-21</a:t>
             </a:fld>
             <a:endParaRPr lang="en-US"/>
           </a:p>
@@ -2684,7 +2684,7 @@
           <a:p>
             <a:fld id="{DF6E0F8B-B334-4775-BFD6-8962308CCEA5}" type="datetimeFigureOut">
               <a:rPr lang="en-US" smtClean="0"/>
-              <a:t>05-May-21</a:t>
+              <a:t>07-May-21</a:t>
             </a:fld>
             <a:endParaRPr lang="en-US"/>
           </a:p>
@@ -2864,7 +2864,7 @@
           <a:p>
             <a:fld id="{DF6E0F8B-B334-4775-BFD6-8962308CCEA5}" type="datetimeFigureOut">
               <a:rPr lang="en-US" smtClean="0"/>
-              <a:t>05-May-21</a:t>
+              <a:t>07-May-21</a:t>
             </a:fld>
             <a:endParaRPr lang="en-US"/>
           </a:p>
@@ -3034,7 +3034,7 @@
           <a:p>
             <a:fld id="{DF6E0F8B-B334-4775-BFD6-8962308CCEA5}" type="datetimeFigureOut">
               <a:rPr lang="en-US" smtClean="0"/>
-              <a:t>05-May-21</a:t>
+              <a:t>07-May-21</a:t>
             </a:fld>
             <a:endParaRPr lang="en-US"/>
           </a:p>
@@ -3281,7 +3281,7 @@
           <a:p>
             <a:fld id="{DF6E0F8B-B334-4775-BFD6-8962308CCEA5}" type="datetimeFigureOut">
               <a:rPr lang="en-US" smtClean="0"/>
-              <a:t>05-May-21</a:t>
+              <a:t>07-May-21</a:t>
             </a:fld>
             <a:endParaRPr lang="en-US"/>
           </a:p>
@@ -3578,7 +3578,7 @@
           <a:p>
             <a:fld id="{DF6E0F8B-B334-4775-BFD6-8962308CCEA5}" type="datetimeFigureOut">
               <a:rPr lang="en-US" smtClean="0"/>
-              <a:t>05-May-21</a:t>
+              <a:t>07-May-21</a:t>
             </a:fld>
             <a:endParaRPr lang="en-US"/>
           </a:p>
@@ -3957,7 +3957,7 @@
           <a:p>
             <a:fld id="{DF6E0F8B-B334-4775-BFD6-8962308CCEA5}" type="datetimeFigureOut">
               <a:rPr lang="en-US" smtClean="0"/>
-              <a:t>05-May-21</a:t>
+              <a:t>07-May-21</a:t>
             </a:fld>
             <a:endParaRPr lang="en-US"/>
           </a:p>
@@ -4080,7 +4080,7 @@
           <a:p>
             <a:fld id="{DF6E0F8B-B334-4775-BFD6-8962308CCEA5}" type="datetimeFigureOut">
               <a:rPr lang="en-US" smtClean="0"/>
-              <a:t>05-May-21</a:t>
+              <a:t>07-May-21</a:t>
             </a:fld>
             <a:endParaRPr lang="en-US"/>
           </a:p>
@@ -4175,7 +4175,7 @@
           <a:p>
             <a:fld id="{DF6E0F8B-B334-4775-BFD6-8962308CCEA5}" type="datetimeFigureOut">
               <a:rPr lang="en-US" smtClean="0"/>
-              <a:t>05-May-21</a:t>
+              <a:t>07-May-21</a:t>
             </a:fld>
             <a:endParaRPr lang="en-US"/>
           </a:p>
@@ -4430,7 +4430,7 @@
           <a:p>
             <a:fld id="{DF6E0F8B-B334-4775-BFD6-8962308CCEA5}" type="datetimeFigureOut">
               <a:rPr lang="en-US" smtClean="0"/>
-              <a:t>05-May-21</a:t>
+              <a:t>07-May-21</a:t>
             </a:fld>
             <a:endParaRPr lang="en-US"/>
           </a:p>
@@ -4693,7 +4693,7 @@
           <a:p>
             <a:fld id="{DF6E0F8B-B334-4775-BFD6-8962308CCEA5}" type="datetimeFigureOut">
               <a:rPr lang="en-US" smtClean="0"/>
-              <a:t>05-May-21</a:t>
+              <a:t>07-May-21</a:t>
             </a:fld>
             <a:endParaRPr lang="en-US"/>
           </a:p>
@@ -5507,7 +5507,7 @@
           <a:p>
             <a:fld id="{DF6E0F8B-B334-4775-BFD6-8962308CCEA5}" type="datetimeFigureOut">
               <a:rPr lang="en-US" smtClean="0"/>
-              <a:t>05-May-21</a:t>
+              <a:t>07-May-21</a:t>
             </a:fld>
             <a:endParaRPr lang="en-US"/>
           </a:p>
@@ -9594,275 +9594,248 @@
           </a:p>
         </p:txBody>
       </p:sp>
-      <p:sp>
-        <p:nvSpPr>
-          <p:cNvPr id="50" name="TextBox 49">
+      <p:grpSp>
+        <p:nvGrpSpPr>
+          <p:cNvPr id="9" name="Group 8">
             <a:extLst>
               <a:ext uri="{FF2B5EF4-FFF2-40B4-BE49-F238E27FC236}">
-                <a16:creationId xmlns:a16="http://schemas.microsoft.com/office/drawing/2014/main" id="{1CDA5589-7793-43FC-A228-593C42693691}"/>
+                <a16:creationId xmlns:a16="http://schemas.microsoft.com/office/drawing/2014/main" id="{2803692D-0BA9-4008-AB48-557C620BEE9F}"/>
               </a:ext>
             </a:extLst>
           </p:cNvPr>
-          <p:cNvSpPr txBox="1"/>
+          <p:cNvGrpSpPr/>
           <p:nvPr/>
-        </p:nvSpPr>
-        <p:spPr>
+        </p:nvGrpSpPr>
+        <p:grpSpPr>
           <a:xfrm>
-            <a:off x="339854" y="5910989"/>
-            <a:ext cx="2375589" cy="369332"/>
+            <a:off x="357555" y="5879906"/>
+            <a:ext cx="11476890" cy="593124"/>
+            <a:chOff x="339854" y="5799093"/>
+            <a:chExt cx="11476890" cy="593124"/>
           </a:xfrm>
-          <a:prstGeom prst="rect">
-            <a:avLst/>
-          </a:prstGeom>
-          <a:noFill/>
-        </p:spPr>
-        <p:txBody>
-          <a:bodyPr wrap="square" rtlCol="0">
-            <a:spAutoFit/>
-          </a:bodyPr>
-          <a:lstStyle/>
-          <a:p>
-            <a:pPr algn="ctr"/>
-            <a:r>
-              <a:rPr lang="en-US" dirty="0">
-                <a:solidFill>
-                  <a:schemeClr val="tx1">
-                    <a:lumMod val="75000"/>
-                    <a:lumOff val="25000"/>
-                  </a:schemeClr>
-                </a:solidFill>
-                <a:latin typeface="Open Sans" panose="020B0606030504020204" pitchFamily="34" charset="0"/>
-                <a:ea typeface="Open Sans" panose="020B0606030504020204" pitchFamily="34" charset="0"/>
-                <a:cs typeface="Open Sans" panose="020B0606030504020204" pitchFamily="34" charset="0"/>
-              </a:rPr>
-              <a:t>Father</a:t>
-            </a:r>
-          </a:p>
-        </p:txBody>
-      </p:sp>
-      <p:sp>
-        <p:nvSpPr>
-          <p:cNvPr id="75" name="Rectangle 74">
+        </p:grpSpPr>
+        <p:sp>
+          <p:nvSpPr>
+            <p:cNvPr id="50" name="TextBox 49">
+              <a:extLst>
+                <a:ext uri="{FF2B5EF4-FFF2-40B4-BE49-F238E27FC236}">
+                  <a16:creationId xmlns:a16="http://schemas.microsoft.com/office/drawing/2014/main" id="{1CDA5589-7793-43FC-A228-593C42693691}"/>
+                </a:ext>
+              </a:extLst>
+            </p:cNvPr>
+            <p:cNvSpPr txBox="1"/>
+            <p:nvPr/>
+          </p:nvSpPr>
+          <p:spPr>
+            <a:xfrm>
+              <a:off x="339854" y="5910989"/>
+              <a:ext cx="2375589" cy="369332"/>
+            </a:xfrm>
+            <a:prstGeom prst="rect">
+              <a:avLst/>
+            </a:prstGeom>
+            <a:noFill/>
+          </p:spPr>
+          <p:txBody>
+            <a:bodyPr wrap="square" rtlCol="0">
+              <a:spAutoFit/>
+            </a:bodyPr>
+            <a:lstStyle/>
+            <a:p>
+              <a:pPr algn="ctr"/>
+              <a:r>
+                <a:rPr lang="en-US" dirty="0">
+                  <a:solidFill>
+                    <a:schemeClr val="tx1">
+                      <a:lumMod val="75000"/>
+                      <a:lumOff val="25000"/>
+                    </a:schemeClr>
+                  </a:solidFill>
+                  <a:latin typeface="Open Sans" panose="020B0606030504020204" pitchFamily="34" charset="0"/>
+                  <a:ea typeface="Open Sans" panose="020B0606030504020204" pitchFamily="34" charset="0"/>
+                  <a:cs typeface="Open Sans" panose="020B0606030504020204" pitchFamily="34" charset="0"/>
+                </a:rPr>
+                <a:t>Father</a:t>
+              </a:r>
+            </a:p>
+          </p:txBody>
+        </p:sp>
+        <p:sp>
+          <p:nvSpPr>
+            <p:cNvPr id="75" name="Rectangle 74">
+              <a:extLst>
+                <a:ext uri="{FF2B5EF4-FFF2-40B4-BE49-F238E27FC236}">
+                  <a16:creationId xmlns:a16="http://schemas.microsoft.com/office/drawing/2014/main" id="{DCFA5FB8-18ED-4CEF-8D27-232B472443C9}"/>
+                </a:ext>
+              </a:extLst>
+            </p:cNvPr>
+            <p:cNvSpPr/>
+            <p:nvPr/>
+          </p:nvSpPr>
+          <p:spPr>
+            <a:xfrm>
+              <a:off x="2672743" y="5799093"/>
+              <a:ext cx="9144001" cy="593124"/>
+            </a:xfrm>
+            <a:prstGeom prst="rect">
+              <a:avLst/>
+            </a:prstGeom>
+            <a:solidFill>
+              <a:schemeClr val="accent5">
+                <a:lumMod val="60000"/>
+                <a:lumOff val="40000"/>
+              </a:schemeClr>
+            </a:solidFill>
+            <a:ln>
+              <a:solidFill>
+                <a:schemeClr val="tx1">
+                  <a:lumMod val="75000"/>
+                  <a:lumOff val="25000"/>
+                </a:schemeClr>
+              </a:solidFill>
+            </a:ln>
+          </p:spPr>
+          <p:style>
+            <a:lnRef idx="2">
+              <a:schemeClr val="accent1">
+                <a:shade val="50000"/>
+              </a:schemeClr>
+            </a:lnRef>
+            <a:fillRef idx="1">
+              <a:schemeClr val="accent1"/>
+            </a:fillRef>
+            <a:effectRef idx="0">
+              <a:schemeClr val="accent1"/>
+            </a:effectRef>
+            <a:fontRef idx="minor">
+              <a:schemeClr val="lt1"/>
+            </a:fontRef>
+          </p:style>
+          <p:txBody>
+            <a:bodyPr rtlCol="0" anchor="ctr"/>
+            <a:lstStyle/>
+            <a:p>
+              <a:pPr algn="ctr"/>
+              <a:r>
+                <a:rPr lang="en-US" b="1" dirty="0">
+                  <a:solidFill>
+                    <a:schemeClr val="tx1">
+                      <a:lumMod val="75000"/>
+                      <a:lumOff val="25000"/>
+                    </a:schemeClr>
+                  </a:solidFill>
+                  <a:latin typeface="Open Sans" panose="020B0606030504020204" pitchFamily="34" charset="0"/>
+                  <a:ea typeface="Open Sans" panose="020B0606030504020204" pitchFamily="34" charset="0"/>
+                  <a:cs typeface="Open Sans" panose="020B0606030504020204" pitchFamily="34" charset="0"/>
+                </a:rPr>
+                <a:t>Guilty (100%)</a:t>
+              </a:r>
+            </a:p>
+          </p:txBody>
+        </p:sp>
+      </p:grpSp>
+      <p:grpSp>
+        <p:nvGrpSpPr>
+          <p:cNvPr id="8" name="Group 7">
             <a:extLst>
               <a:ext uri="{FF2B5EF4-FFF2-40B4-BE49-F238E27FC236}">
-                <a16:creationId xmlns:a16="http://schemas.microsoft.com/office/drawing/2014/main" id="{DCFA5FB8-18ED-4CEF-8D27-232B472443C9}"/>
+                <a16:creationId xmlns:a16="http://schemas.microsoft.com/office/drawing/2014/main" id="{FB18FB4F-8967-4275-AEA2-B08D730D0F5B}"/>
               </a:ext>
             </a:extLst>
           </p:cNvPr>
-          <p:cNvSpPr/>
+          <p:cNvGrpSpPr/>
           <p:nvPr/>
-        </p:nvSpPr>
-        <p:spPr>
+        </p:nvGrpSpPr>
+        <p:grpSpPr>
           <a:xfrm>
-            <a:off x="2672743" y="5799093"/>
-            <a:ext cx="9144001" cy="593124"/>
+            <a:off x="5095863" y="6584926"/>
+            <a:ext cx="2000274" cy="369332"/>
+            <a:chOff x="3778226" y="6788126"/>
+            <a:chExt cx="2000274" cy="369332"/>
           </a:xfrm>
-          <a:prstGeom prst="rect">
-            <a:avLst/>
-          </a:prstGeom>
-          <a:solidFill>
-            <a:schemeClr val="accent5">
-              <a:lumMod val="60000"/>
-              <a:lumOff val="40000"/>
-            </a:schemeClr>
-          </a:solidFill>
-          <a:ln>
-            <a:solidFill>
-              <a:schemeClr val="tx1">
-                <a:lumMod val="75000"/>
-                <a:lumOff val="25000"/>
-              </a:schemeClr>
-            </a:solidFill>
-          </a:ln>
-        </p:spPr>
-        <p:style>
-          <a:lnRef idx="2">
-            <a:schemeClr val="accent1">
-              <a:shade val="50000"/>
-            </a:schemeClr>
-          </a:lnRef>
-          <a:fillRef idx="1">
-            <a:schemeClr val="accent1"/>
-          </a:fillRef>
-          <a:effectRef idx="0">
-            <a:schemeClr val="accent1"/>
-          </a:effectRef>
-          <a:fontRef idx="minor">
-            <a:schemeClr val="lt1"/>
-          </a:fontRef>
-        </p:style>
-        <p:txBody>
-          <a:bodyPr rtlCol="0" anchor="ctr"/>
-          <a:lstStyle/>
-          <a:p>
-            <a:pPr algn="ctr"/>
-            <a:r>
-              <a:rPr lang="en-US" b="1" dirty="0">
-                <a:solidFill>
-                  <a:schemeClr val="tx1">
-                    <a:lumMod val="75000"/>
-                    <a:lumOff val="25000"/>
-                  </a:schemeClr>
-                </a:solidFill>
-                <a:latin typeface="Open Sans" panose="020B0606030504020204" pitchFamily="34" charset="0"/>
-                <a:ea typeface="Open Sans" panose="020B0606030504020204" pitchFamily="34" charset="0"/>
-                <a:cs typeface="Open Sans" panose="020B0606030504020204" pitchFamily="34" charset="0"/>
-              </a:rPr>
-              <a:t>Guilty (100%)</a:t>
-            </a:r>
-          </a:p>
-        </p:txBody>
-      </p:sp>
-      <p:pic>
-        <p:nvPicPr>
-          <p:cNvPr id="3" name="Picture 2">
-            <a:extLst>
-              <a:ext uri="{FF2B5EF4-FFF2-40B4-BE49-F238E27FC236}">
-                <a16:creationId xmlns:a16="http://schemas.microsoft.com/office/drawing/2014/main" id="{B2DF5C00-C4AF-421B-ABA2-3110757B8CBC}"/>
-              </a:ext>
-            </a:extLst>
-          </p:cNvPr>
-          <p:cNvPicPr>
-            <a:picLocks noChangeAspect="1"/>
-          </p:cNvPicPr>
-          <p:nvPr/>
-        </p:nvPicPr>
-        <p:blipFill>
-          <a:blip r:embed="rId2"/>
-          <a:stretch>
-            <a:fillRect/>
-          </a:stretch>
-        </p:blipFill>
-        <p:spPr>
-          <a:xfrm>
-            <a:off x="9454211" y="6504981"/>
-            <a:ext cx="2362530" cy="1562318"/>
-          </a:xfrm>
-          <a:prstGeom prst="rect">
-            <a:avLst/>
-          </a:prstGeom>
-        </p:spPr>
-      </p:pic>
-      <p:pic>
-        <p:nvPicPr>
-          <p:cNvPr id="10" name="Picture 9">
-            <a:extLst>
-              <a:ext uri="{FF2B5EF4-FFF2-40B4-BE49-F238E27FC236}">
-                <a16:creationId xmlns:a16="http://schemas.microsoft.com/office/drawing/2014/main" id="{3CA90D98-67E6-47D5-A4D1-79860FB6EBEF}"/>
-              </a:ext>
-            </a:extLst>
-          </p:cNvPr>
-          <p:cNvPicPr>
-            <a:picLocks noChangeAspect="1"/>
-          </p:cNvPicPr>
-          <p:nvPr/>
-        </p:nvPicPr>
-        <p:blipFill>
-          <a:blip r:embed="rId2"/>
-          <a:stretch>
-            <a:fillRect/>
-          </a:stretch>
-        </p:blipFill>
-        <p:spPr>
-          <a:xfrm>
-            <a:off x="7091681" y="6504981"/>
-            <a:ext cx="2362530" cy="1562318"/>
-          </a:xfrm>
-          <a:prstGeom prst="rect">
-            <a:avLst/>
-          </a:prstGeom>
-        </p:spPr>
-      </p:pic>
-      <p:pic>
-        <p:nvPicPr>
-          <p:cNvPr id="11" name="Picture 10">
-            <a:extLst>
-              <a:ext uri="{FF2B5EF4-FFF2-40B4-BE49-F238E27FC236}">
-                <a16:creationId xmlns:a16="http://schemas.microsoft.com/office/drawing/2014/main" id="{A18BB324-E29F-4638-AED1-FE981D91F989}"/>
-              </a:ext>
-            </a:extLst>
-          </p:cNvPr>
-          <p:cNvPicPr>
-            <a:picLocks noChangeAspect="1"/>
-          </p:cNvPicPr>
-          <p:nvPr/>
-        </p:nvPicPr>
-        <p:blipFill>
-          <a:blip r:embed="rId2"/>
-          <a:stretch>
-            <a:fillRect/>
-          </a:stretch>
-        </p:blipFill>
-        <p:spPr>
-          <a:xfrm>
-            <a:off x="4729151" y="8067298"/>
-            <a:ext cx="2362530" cy="1562318"/>
-          </a:xfrm>
-          <a:prstGeom prst="rect">
-            <a:avLst/>
-          </a:prstGeom>
-        </p:spPr>
-      </p:pic>
-      <p:pic>
-        <p:nvPicPr>
-          <p:cNvPr id="12" name="Picture 11">
-            <a:extLst>
-              <a:ext uri="{FF2B5EF4-FFF2-40B4-BE49-F238E27FC236}">
-                <a16:creationId xmlns:a16="http://schemas.microsoft.com/office/drawing/2014/main" id="{CB14BB45-397A-48AE-94D3-8504A93BD5E2}"/>
-              </a:ext>
-            </a:extLst>
-          </p:cNvPr>
-          <p:cNvPicPr>
-            <a:picLocks noChangeAspect="1"/>
-          </p:cNvPicPr>
-          <p:nvPr/>
-        </p:nvPicPr>
-        <p:blipFill>
-          <a:blip r:embed="rId2"/>
-          <a:stretch>
-            <a:fillRect/>
-          </a:stretch>
-        </p:blipFill>
-        <p:spPr>
-          <a:xfrm>
-            <a:off x="9454211" y="8067298"/>
-            <a:ext cx="2362530" cy="1562318"/>
-          </a:xfrm>
-          <a:prstGeom prst="rect">
-            <a:avLst/>
-          </a:prstGeom>
-        </p:spPr>
-      </p:pic>
-      <p:pic>
-        <p:nvPicPr>
-          <p:cNvPr id="13" name="Picture 12">
-            <a:extLst>
-              <a:ext uri="{FF2B5EF4-FFF2-40B4-BE49-F238E27FC236}">
-                <a16:creationId xmlns:a16="http://schemas.microsoft.com/office/drawing/2014/main" id="{1DF3CEA2-1021-40D5-A6FF-407CD126FD8D}"/>
-              </a:ext>
-            </a:extLst>
-          </p:cNvPr>
-          <p:cNvPicPr>
-            <a:picLocks noChangeAspect="1"/>
-          </p:cNvPicPr>
-          <p:nvPr/>
-        </p:nvPicPr>
-        <p:blipFill>
-          <a:blip r:embed="rId2"/>
-          <a:stretch>
-            <a:fillRect/>
-          </a:stretch>
-        </p:blipFill>
-        <p:spPr>
-          <a:xfrm>
-            <a:off x="7091681" y="8067298"/>
-            <a:ext cx="2362530" cy="1562318"/>
-          </a:xfrm>
-          <a:prstGeom prst="rect">
-            <a:avLst/>
-          </a:prstGeom>
-        </p:spPr>
-      </p:pic>
+        </p:grpSpPr>
+        <p:pic>
+          <p:nvPicPr>
+            <p:cNvPr id="6" name="Picture 5">
+              <a:extLst>
+                <a:ext uri="{FF2B5EF4-FFF2-40B4-BE49-F238E27FC236}">
+                  <a16:creationId xmlns:a16="http://schemas.microsoft.com/office/drawing/2014/main" id="{8282674E-18DB-415D-B339-BC67DD4C7407}"/>
+                </a:ext>
+              </a:extLst>
+            </p:cNvPr>
+            <p:cNvPicPr>
+              <a:picLocks noChangeAspect="1"/>
+            </p:cNvPicPr>
+            <p:nvPr/>
+          </p:nvPicPr>
+          <p:blipFill>
+            <a:blip r:embed="rId2">
+              <a:extLst>
+                <a:ext uri="{28A0092B-C50C-407E-A947-70E740481C1C}">
+                  <a14:useLocalDpi xmlns:a14="http://schemas.microsoft.com/office/drawing/2010/main" val="0"/>
+                </a:ext>
+              </a:extLst>
+            </a:blip>
+            <a:stretch>
+              <a:fillRect/>
+            </a:stretch>
+          </p:blipFill>
+          <p:spPr>
+            <a:xfrm>
+              <a:off x="3778226" y="6788126"/>
+              <a:ext cx="342948" cy="342948"/>
+            </a:xfrm>
+            <a:prstGeom prst="rect">
+              <a:avLst/>
+            </a:prstGeom>
+          </p:spPr>
+        </p:pic>
+        <p:sp>
+          <p:nvSpPr>
+            <p:cNvPr id="7" name="TextBox 6">
+              <a:extLst>
+                <a:ext uri="{FF2B5EF4-FFF2-40B4-BE49-F238E27FC236}">
+                  <a16:creationId xmlns:a16="http://schemas.microsoft.com/office/drawing/2014/main" id="{F9D41051-4214-4A85-85B3-8B530DE9548F}"/>
+                </a:ext>
+              </a:extLst>
+            </p:cNvPr>
+            <p:cNvSpPr txBox="1"/>
+            <p:nvPr/>
+          </p:nvSpPr>
+          <p:spPr>
+            <a:xfrm>
+              <a:off x="4121174" y="6788126"/>
+              <a:ext cx="1657326" cy="369332"/>
+            </a:xfrm>
+            <a:prstGeom prst="rect">
+              <a:avLst/>
+            </a:prstGeom>
+            <a:noFill/>
+          </p:spPr>
+          <p:txBody>
+            <a:bodyPr wrap="square" rtlCol="0">
+              <a:spAutoFit/>
+            </a:bodyPr>
+            <a:lstStyle/>
+            <a:p>
+              <a:r>
+                <a:rPr lang="en-US" dirty="0">
+                  <a:solidFill>
+                    <a:schemeClr val="tx1">
+                      <a:lumMod val="75000"/>
+                      <a:lumOff val="25000"/>
+                    </a:schemeClr>
+                  </a:solidFill>
+                  <a:latin typeface="Open Sans" panose="020B0606030504020204" pitchFamily="34" charset="0"/>
+                  <a:ea typeface="Open Sans" panose="020B0606030504020204" pitchFamily="34" charset="0"/>
+                  <a:cs typeface="Open Sans" panose="020B0606030504020204" pitchFamily="34" charset="0"/>
+                </a:rPr>
+                <a:t>= 1 Day in Jail</a:t>
+              </a:r>
+            </a:p>
+          </p:txBody>
+        </p:sp>
+      </p:grpSp>
     </p:spTree>
     <p:extLst>
       <p:ext uri="{BB962C8B-B14F-4D97-AF65-F5344CB8AC3E}">

--- a/charts.pptx
+++ b/charts.pptx
@@ -17336,7 +17336,7 @@
                 <a:ea typeface="Open Sans" panose="020B0606030504020204" pitchFamily="34" charset="0"/>
                 <a:cs typeface="Open Sans" panose="020B0606030504020204" pitchFamily="34" charset="0"/>
               </a:rPr>
-              <a:t>Bill stole just because he could.  It is unlikely that spending time in jail for $3 worth of food from a gas station was worth it.  Thus it is unlikely that he will reoffend.</a:t>
+              <a:t>Bill stole just because he could.  It is unlikely that spending time in jail for $3 worth of food from a gas station was worth it.  Thus, it is unlikely that he will reoffend.</a:t>
             </a:r>
             <a:endParaRPr lang="en-US" dirty="0">
               <a:solidFill>
@@ -17637,7 +17637,7 @@
                 <a:ea typeface="Open Sans" panose="020B0606030504020204" pitchFamily="34" charset="0"/>
                 <a:cs typeface="Open Sans" panose="020B0606030504020204" pitchFamily="34" charset="0"/>
               </a:rPr>
-              <a:t>Bill stole because he could.  This “punishment” wouldn’t be a punishment for Bill.  Thus, this punishment gives no incentive for Bill to not steal again.  Thus it is likely Bill will reoffend.</a:t>
+              <a:t>Bill stole because he could.  This “punishment” wouldn’t be a punishment for Bill.  Thus, this punishment gives no incentive for Bill to not steal again.  Thus, it is likely Bill will reoffend.</a:t>
             </a:r>
             <a:endParaRPr lang="en-US" dirty="0">
               <a:solidFill>
